--- a/Robot Design.pptx
+++ b/Robot Design.pptx
@@ -8384,31 +8384,13 @@
 </file>
 
 <file path=ppt/slides/slide10.xml><?xml version="1.0" encoding="utf-8"?>
-<p:sld xmlns:a="http://schemas.openxmlformats.org/drawingml/2006/main" xmlns:r="http://schemas.openxmlformats.org/officeDocument/2006/relationships" xmlns:p="http://schemas.openxmlformats.org/presentationml/2006/main">
+<p:sld xmlns:a="http://schemas.openxmlformats.org/drawingml/2006/main" xmlns:r="http://schemas.openxmlformats.org/officeDocument/2006/relationships" xmlns:p="http://schemas.openxmlformats.org/presentationml/2006/main" showMasterSp="0">
   <p:cSld>
     <p:bg>
       <p:bgPr>
-        <a:gradFill>
-          <a:gsLst>
-            <a:gs pos="0">
-              <a:schemeClr val="bg2">
-                <a:tint val="90000"/>
-                <a:satMod val="92000"/>
-                <a:lumMod val="120000"/>
-              </a:schemeClr>
-            </a:gs>
-            <a:gs pos="100000">
-              <a:schemeClr val="bg2">
-                <a:shade val="98000"/>
-                <a:satMod val="120000"/>
-                <a:lumMod val="98000"/>
-              </a:schemeClr>
-            </a:gs>
-          </a:gsLst>
-          <a:path path="circle">
-            <a:fillToRect l="50000" t="50000" r="100000" b="100000"/>
-          </a:path>
-        </a:gradFill>
+        <a:solidFill>
+          <a:schemeClr val="bg1"/>
+        </a:solidFill>
         <a:effectLst/>
       </p:bgPr>
     </p:bg>
@@ -9332,31 +9314,13 @@
 </file>
 
 <file path=ppt/slides/slide6.xml><?xml version="1.0" encoding="utf-8"?>
-<p:sld xmlns:a="http://schemas.openxmlformats.org/drawingml/2006/main" xmlns:r="http://schemas.openxmlformats.org/officeDocument/2006/relationships" xmlns:p="http://schemas.openxmlformats.org/presentationml/2006/main">
+<p:sld xmlns:a="http://schemas.openxmlformats.org/drawingml/2006/main" xmlns:r="http://schemas.openxmlformats.org/officeDocument/2006/relationships" xmlns:p="http://schemas.openxmlformats.org/presentationml/2006/main" showMasterSp="0">
   <p:cSld>
     <p:bg>
       <p:bgPr>
-        <a:gradFill rotWithShape="1">
-          <a:gsLst>
-            <a:gs pos="0">
-              <a:schemeClr val="bg2">
-                <a:tint val="90000"/>
-                <a:satMod val="92000"/>
-                <a:lumMod val="120000"/>
-              </a:schemeClr>
-            </a:gs>
-            <a:gs pos="100000">
-              <a:schemeClr val="bg2">
-                <a:shade val="98000"/>
-                <a:satMod val="120000"/>
-                <a:lumMod val="98000"/>
-              </a:schemeClr>
-            </a:gs>
-          </a:gsLst>
-          <a:path path="circle">
-            <a:fillToRect l="50000" t="50000" r="100000" b="100000"/>
-          </a:path>
-        </a:gradFill>
+        <a:solidFill>
+          <a:schemeClr val="bg1"/>
+        </a:solidFill>
         <a:effectLst/>
       </p:bgPr>
     </p:bg>
@@ -9503,31 +9467,13 @@
 </file>
 
 <file path=ppt/slides/slide7.xml><?xml version="1.0" encoding="utf-8"?>
-<p:sld xmlns:a="http://schemas.openxmlformats.org/drawingml/2006/main" xmlns:r="http://schemas.openxmlformats.org/officeDocument/2006/relationships" xmlns:p="http://schemas.openxmlformats.org/presentationml/2006/main">
+<p:sld xmlns:a="http://schemas.openxmlformats.org/drawingml/2006/main" xmlns:r="http://schemas.openxmlformats.org/officeDocument/2006/relationships" xmlns:p="http://schemas.openxmlformats.org/presentationml/2006/main" showMasterSp="0">
   <p:cSld>
     <p:bg>
       <p:bgPr>
-        <a:gradFill rotWithShape="1">
-          <a:gsLst>
-            <a:gs pos="0">
-              <a:schemeClr val="bg2">
-                <a:tint val="90000"/>
-                <a:satMod val="92000"/>
-                <a:lumMod val="120000"/>
-              </a:schemeClr>
-            </a:gs>
-            <a:gs pos="100000">
-              <a:schemeClr val="bg2">
-                <a:shade val="98000"/>
-                <a:satMod val="120000"/>
-                <a:lumMod val="98000"/>
-              </a:schemeClr>
-            </a:gs>
-          </a:gsLst>
-          <a:path path="circle">
-            <a:fillToRect l="50000" t="50000" r="100000" b="100000"/>
-          </a:path>
-        </a:gradFill>
+        <a:solidFill>
+          <a:schemeClr val="bg1"/>
+        </a:solidFill>
         <a:effectLst/>
       </p:bgPr>
     </p:bg>
@@ -9674,31 +9620,13 @@
 </file>
 
 <file path=ppt/slides/slide8.xml><?xml version="1.0" encoding="utf-8"?>
-<p:sld xmlns:a="http://schemas.openxmlformats.org/drawingml/2006/main" xmlns:r="http://schemas.openxmlformats.org/officeDocument/2006/relationships" xmlns:p="http://schemas.openxmlformats.org/presentationml/2006/main">
+<p:sld xmlns:a="http://schemas.openxmlformats.org/drawingml/2006/main" xmlns:r="http://schemas.openxmlformats.org/officeDocument/2006/relationships" xmlns:p="http://schemas.openxmlformats.org/presentationml/2006/main" showMasterSp="0">
   <p:cSld>
     <p:bg>
       <p:bgPr>
-        <a:gradFill rotWithShape="1">
-          <a:gsLst>
-            <a:gs pos="0">
-              <a:schemeClr val="bg2">
-                <a:tint val="90000"/>
-                <a:satMod val="92000"/>
-                <a:lumMod val="120000"/>
-              </a:schemeClr>
-            </a:gs>
-            <a:gs pos="100000">
-              <a:schemeClr val="bg2">
-                <a:shade val="98000"/>
-                <a:satMod val="120000"/>
-                <a:lumMod val="98000"/>
-              </a:schemeClr>
-            </a:gs>
-          </a:gsLst>
-          <a:path path="circle">
-            <a:fillToRect l="50000" t="50000" r="100000" b="100000"/>
-          </a:path>
-        </a:gradFill>
+        <a:solidFill>
+          <a:schemeClr val="bg1"/>
+        </a:solidFill>
         <a:effectLst/>
       </p:bgPr>
     </p:bg>
@@ -9845,31 +9773,13 @@
 </file>
 
 <file path=ppt/slides/slide9.xml><?xml version="1.0" encoding="utf-8"?>
-<p:sld xmlns:a="http://schemas.openxmlformats.org/drawingml/2006/main" xmlns:r="http://schemas.openxmlformats.org/officeDocument/2006/relationships" xmlns:p="http://schemas.openxmlformats.org/presentationml/2006/main">
+<p:sld xmlns:a="http://schemas.openxmlformats.org/drawingml/2006/main" xmlns:r="http://schemas.openxmlformats.org/officeDocument/2006/relationships" xmlns:p="http://schemas.openxmlformats.org/presentationml/2006/main" showMasterSp="0">
   <p:cSld>
     <p:bg>
       <p:bgPr>
-        <a:gradFill rotWithShape="1">
-          <a:gsLst>
-            <a:gs pos="0">
-              <a:schemeClr val="bg2">
-                <a:tint val="90000"/>
-                <a:satMod val="92000"/>
-                <a:lumMod val="120000"/>
-              </a:schemeClr>
-            </a:gs>
-            <a:gs pos="100000">
-              <a:schemeClr val="bg2">
-                <a:shade val="98000"/>
-                <a:satMod val="120000"/>
-                <a:lumMod val="98000"/>
-              </a:schemeClr>
-            </a:gs>
-          </a:gsLst>
-          <a:path path="circle">
-            <a:fillToRect l="50000" t="50000" r="100000" b="100000"/>
-          </a:path>
-        </a:gradFill>
+        <a:solidFill>
+          <a:schemeClr val="bg1"/>
+        </a:solidFill>
         <a:effectLst/>
       </p:bgPr>
     </p:bg>

--- a/Robot Design.pptx
+++ b/Robot Design.pptx
@@ -5,7 +5,7 @@
     <p:sldMasterId id="2147483677" r:id="rId1"/>
   </p:sldMasterIdLst>
   <p:notesMasterIdLst>
-    <p:notesMasterId r:id="rId12"/>
+    <p:notesMasterId r:id="rId13"/>
   </p:notesMasterIdLst>
   <p:sldIdLst>
     <p:sldId id="268" r:id="rId2"/>
@@ -13,11 +13,12 @@
     <p:sldId id="282" r:id="rId4"/>
     <p:sldId id="272" r:id="rId5"/>
     <p:sldId id="259" r:id="rId6"/>
-    <p:sldId id="261" r:id="rId7"/>
-    <p:sldId id="264" r:id="rId8"/>
-    <p:sldId id="265" r:id="rId9"/>
-    <p:sldId id="267" r:id="rId10"/>
-    <p:sldId id="270" r:id="rId11"/>
+    <p:sldId id="283" r:id="rId7"/>
+    <p:sldId id="261" r:id="rId8"/>
+    <p:sldId id="264" r:id="rId9"/>
+    <p:sldId id="265" r:id="rId10"/>
+    <p:sldId id="267" r:id="rId11"/>
+    <p:sldId id="270" r:id="rId12"/>
   </p:sldIdLst>
   <p:sldSz cx="12192000" cy="6858000"/>
   <p:notesSz cx="7102475" cy="9037638"/>
@@ -8396,6 +8397,159 @@
     </p:bg>
     <p:spTree>
       <p:nvGrpSpPr>
+        <p:cNvPr id="1" name="">
+          <a:extLst>
+            <a:ext uri="{FF2B5EF4-FFF2-40B4-BE49-F238E27FC236}">
+              <a16:creationId xmlns:a16="http://schemas.microsoft.com/office/drawing/2014/main" id="{C7C78542-2765-FBDB-1D92-8EFBBC0C919B}"/>
+            </a:ext>
+          </a:extLst>
+        </p:cNvPr>
+        <p:cNvGrpSpPr/>
+        <p:nvPr/>
+      </p:nvGrpSpPr>
+      <p:grpSpPr>
+        <a:xfrm>
+          <a:off x="0" y="0"/>
+          <a:ext cx="0" cy="0"/>
+          <a:chOff x="0" y="0"/>
+          <a:chExt cx="0" cy="0"/>
+        </a:xfrm>
+      </p:grpSpPr>
+      <p:sp>
+        <p:nvSpPr>
+          <p:cNvPr id="2" name="TextBox 1">
+            <a:extLst>
+              <a:ext uri="{FF2B5EF4-FFF2-40B4-BE49-F238E27FC236}">
+                <a16:creationId xmlns:a16="http://schemas.microsoft.com/office/drawing/2014/main" id="{77954EF2-07FA-8964-265B-221838CDB9F6}"/>
+              </a:ext>
+            </a:extLst>
+          </p:cNvPr>
+          <p:cNvSpPr txBox="1"/>
+          <p:nvPr/>
+        </p:nvSpPr>
+        <p:spPr>
+          <a:xfrm>
+            <a:off x="540279" y="967417"/>
+            <a:ext cx="3778870" cy="3943250"/>
+          </a:xfrm>
+          <a:prstGeom prst="rect">
+            <a:avLst/>
+          </a:prstGeom>
+        </p:spPr>
+        <p:txBody>
+          <a:bodyPr vert="horz" lIns="91440" tIns="45720" rIns="91440" bIns="45720" rtlCol="0" anchor="b">
+            <a:normAutofit/>
+          </a:bodyPr>
+          <a:lstStyle/>
+          <a:p>
+            <a:pPr>
+              <a:spcBef>
+                <a:spcPct val="0"/>
+              </a:spcBef>
+              <a:spcAft>
+                <a:spcPts val="600"/>
+              </a:spcAft>
+            </a:pPr>
+            <a:r>
+              <a:rPr lang="en-US" sz="4000" b="1" i="1" dirty="0">
+                <a:solidFill>
+                  <a:srgbClr val="FEFFFF"/>
+                </a:solidFill>
+                <a:latin typeface="+mj-lt"/>
+                <a:ea typeface="+mj-ea"/>
+                <a:cs typeface="+mj-cs"/>
+              </a:rPr>
+              <a:t>Careful Recovery</a:t>
+            </a:r>
+          </a:p>
+        </p:txBody>
+      </p:sp>
+      <p:pic>
+        <p:nvPicPr>
+          <p:cNvPr id="5" name="Picture 4">
+            <a:extLst>
+              <a:ext uri="{FF2B5EF4-FFF2-40B4-BE49-F238E27FC236}">
+                <a16:creationId xmlns:a16="http://schemas.microsoft.com/office/drawing/2014/main" id="{5EB49002-9D78-720C-63F1-21C2465143CE}"/>
+              </a:ext>
+            </a:extLst>
+          </p:cNvPr>
+          <p:cNvPicPr>
+            <a:picLocks noChangeAspect="1"/>
+          </p:cNvPicPr>
+          <p:nvPr/>
+        </p:nvPicPr>
+        <p:blipFill>
+          <a:blip r:embed="rId2"/>
+          <a:stretch>
+            <a:fillRect/>
+          </a:stretch>
+        </p:blipFill>
+        <p:spPr>
+          <a:xfrm>
+            <a:off x="5751720" y="2371631"/>
+            <a:ext cx="2574662" cy="2117659"/>
+          </a:xfrm>
+          <a:prstGeom prst="rect">
+            <a:avLst/>
+          </a:prstGeom>
+        </p:spPr>
+      </p:pic>
+      <p:pic>
+        <p:nvPicPr>
+          <p:cNvPr id="3" name="Picture 2">
+            <a:extLst>
+              <a:ext uri="{FF2B5EF4-FFF2-40B4-BE49-F238E27FC236}">
+                <a16:creationId xmlns:a16="http://schemas.microsoft.com/office/drawing/2014/main" id="{C3132EDD-0428-F17E-7107-D0E36CC89F0A}"/>
+              </a:ext>
+            </a:extLst>
+          </p:cNvPr>
+          <p:cNvPicPr>
+            <a:picLocks noChangeAspect="1"/>
+          </p:cNvPicPr>
+          <p:nvPr/>
+        </p:nvPicPr>
+        <p:blipFill>
+          <a:blip r:embed="rId3"/>
+          <a:stretch>
+            <a:fillRect/>
+          </a:stretch>
+        </p:blipFill>
+        <p:spPr>
+          <a:xfrm>
+            <a:off x="8490108" y="2314111"/>
+            <a:ext cx="2574662" cy="2233518"/>
+          </a:xfrm>
+          <a:prstGeom prst="rect">
+            <a:avLst/>
+          </a:prstGeom>
+        </p:spPr>
+      </p:pic>
+    </p:spTree>
+    <p:extLst>
+      <p:ext uri="{BB962C8B-B14F-4D97-AF65-F5344CB8AC3E}">
+        <p14:creationId xmlns:p14="http://schemas.microsoft.com/office/powerpoint/2010/main" val="3341423121"/>
+      </p:ext>
+    </p:extLst>
+  </p:cSld>
+  <p:clrMapOvr>
+    <a:masterClrMapping/>
+  </p:clrMapOvr>
+</p:sld>
+</file>
+
+<file path=ppt/slides/slide11.xml><?xml version="1.0" encoding="utf-8"?>
+<p:sld xmlns:a="http://schemas.openxmlformats.org/drawingml/2006/main" xmlns:r="http://schemas.openxmlformats.org/officeDocument/2006/relationships" xmlns:p="http://schemas.openxmlformats.org/presentationml/2006/main" showMasterSp="0">
+  <p:cSld>
+    <p:bg>
+      <p:bgPr>
+        <a:solidFill>
+          <a:schemeClr val="bg1"/>
+        </a:solidFill>
+        <a:effectLst/>
+      </p:bgPr>
+    </p:bg>
+    <p:spTree>
+      <p:nvGrpSpPr>
         <p:cNvPr id="1" name=""/>
         <p:cNvGrpSpPr/>
         <p:nvPr/>
@@ -8583,52 +8737,91 @@
           <a:lstStyle/>
           <a:p>
             <a:r>
-              <a:rPr lang="en-US" dirty="0"/>
+              <a:rPr lang="en-US" dirty="0">
+                <a:latin typeface="Times New Roman" panose="02020603050405020304" pitchFamily="18" charset="0"/>
+                <a:cs typeface="Times New Roman" panose="02020603050405020304" pitchFamily="18" charset="0"/>
+              </a:rPr>
               <a:t>Robot pic with arrows to key parts: chassis, left arm, right arm, and front roller/wheels.</a:t>
             </a:r>
           </a:p>
           <a:p>
-            <a:endParaRPr lang="en-US" dirty="0"/>
-          </a:p>
-          <a:p>
-            <a:endParaRPr lang="en-US" dirty="0"/>
-          </a:p>
-          <a:p>
-            <a:endParaRPr lang="en-US" dirty="0"/>
-          </a:p>
-          <a:p>
-            <a:r>
-              <a:rPr lang="en-US" dirty="0"/>
+            <a:endParaRPr lang="en-US" dirty="0">
+              <a:latin typeface="Times New Roman" panose="02020603050405020304" pitchFamily="18" charset="0"/>
+              <a:cs typeface="Times New Roman" panose="02020603050405020304" pitchFamily="18" charset="0"/>
+            </a:endParaRPr>
+          </a:p>
+          <a:p>
+            <a:endParaRPr lang="en-US" dirty="0">
+              <a:latin typeface="Times New Roman" panose="02020603050405020304" pitchFamily="18" charset="0"/>
+              <a:cs typeface="Times New Roman" panose="02020603050405020304" pitchFamily="18" charset="0"/>
+            </a:endParaRPr>
+          </a:p>
+          <a:p>
+            <a:endParaRPr lang="en-US" dirty="0">
+              <a:latin typeface="Times New Roman" panose="02020603050405020304" pitchFamily="18" charset="0"/>
+              <a:cs typeface="Times New Roman" panose="02020603050405020304" pitchFamily="18" charset="0"/>
+            </a:endParaRPr>
+          </a:p>
+          <a:p>
+            <a:r>
+              <a:rPr lang="en-US" dirty="0">
+                <a:latin typeface="Times New Roman" panose="02020603050405020304" pitchFamily="18" charset="0"/>
+                <a:cs typeface="Times New Roman" panose="02020603050405020304" pitchFamily="18" charset="0"/>
+              </a:rPr>
               <a:t>One kid explains in 2–3 sentences: what problem it solves (which missions), </a:t>
             </a:r>
           </a:p>
           <a:p>
-            <a:endParaRPr lang="en-US" dirty="0"/>
-          </a:p>
-          <a:p>
-            <a:endParaRPr lang="en-US" dirty="0"/>
-          </a:p>
-          <a:p>
-            <a:endParaRPr lang="en-US" dirty="0"/>
-          </a:p>
-          <a:p>
-            <a:r>
-              <a:rPr lang="en-US" dirty="0"/>
+            <a:endParaRPr lang="en-US" dirty="0">
+              <a:latin typeface="Times New Roman" panose="02020603050405020304" pitchFamily="18" charset="0"/>
+              <a:cs typeface="Times New Roman" panose="02020603050405020304" pitchFamily="18" charset="0"/>
+            </a:endParaRPr>
+          </a:p>
+          <a:p>
+            <a:endParaRPr lang="en-US" dirty="0">
+              <a:latin typeface="Times New Roman" panose="02020603050405020304" pitchFamily="18" charset="0"/>
+              <a:cs typeface="Times New Roman" panose="02020603050405020304" pitchFamily="18" charset="0"/>
+            </a:endParaRPr>
+          </a:p>
+          <a:p>
+            <a:endParaRPr lang="en-US" dirty="0">
+              <a:latin typeface="Times New Roman" panose="02020603050405020304" pitchFamily="18" charset="0"/>
+              <a:cs typeface="Times New Roman" panose="02020603050405020304" pitchFamily="18" charset="0"/>
+            </a:endParaRPr>
+          </a:p>
+          <a:p>
+            <a:r>
+              <a:rPr lang="en-US" dirty="0">
+                <a:latin typeface="Times New Roman" panose="02020603050405020304" pitchFamily="18" charset="0"/>
+                <a:cs typeface="Times New Roman" panose="02020603050405020304" pitchFamily="18" charset="0"/>
+              </a:rPr>
               <a:t>why it is tall (to reach high elements), and </a:t>
             </a:r>
           </a:p>
           <a:p>
-            <a:endParaRPr lang="en-US" dirty="0"/>
-          </a:p>
-          <a:p>
-            <a:endParaRPr lang="en-US" dirty="0"/>
-          </a:p>
-          <a:p>
-            <a:endParaRPr lang="en-US" dirty="0"/>
-          </a:p>
-          <a:p>
-            <a:r>
-              <a:rPr lang="en-US" dirty="0"/>
+            <a:endParaRPr lang="en-US" dirty="0">
+              <a:latin typeface="Times New Roman" panose="02020603050405020304" pitchFamily="18" charset="0"/>
+              <a:cs typeface="Times New Roman" panose="02020603050405020304" pitchFamily="18" charset="0"/>
+            </a:endParaRPr>
+          </a:p>
+          <a:p>
+            <a:endParaRPr lang="en-US" dirty="0">
+              <a:latin typeface="Times New Roman" panose="02020603050405020304" pitchFamily="18" charset="0"/>
+              <a:cs typeface="Times New Roman" panose="02020603050405020304" pitchFamily="18" charset="0"/>
+            </a:endParaRPr>
+          </a:p>
+          <a:p>
+            <a:endParaRPr lang="en-US" dirty="0">
+              <a:latin typeface="Times New Roman" panose="02020603050405020304" pitchFamily="18" charset="0"/>
+              <a:cs typeface="Times New Roman" panose="02020603050405020304" pitchFamily="18" charset="0"/>
+            </a:endParaRPr>
+          </a:p>
+          <a:p>
+            <a:r>
+              <a:rPr lang="en-US" dirty="0">
+                <a:latin typeface="Times New Roman" panose="02020603050405020304" pitchFamily="18" charset="0"/>
+                <a:cs typeface="Times New Roman" panose="02020603050405020304" pitchFamily="18" charset="0"/>
+              </a:rPr>
               <a:t>why it is narrow (to fit between models).</a:t>
             </a:r>
           </a:p>
@@ -8750,7 +8943,7 @@
         <p:spPr>
           <a:xfrm>
             <a:off x="314326" y="859918"/>
-            <a:ext cx="11525249" cy="5909310"/>
+            <a:ext cx="11525249" cy="5355312"/>
           </a:xfrm>
           <a:prstGeom prst="rect">
             <a:avLst/>
@@ -8767,7 +8960,10 @@
               <a:buAutoNum type="arabicPeriod"/>
             </a:pPr>
             <a:r>
-              <a:rPr lang="en-US" dirty="0"/>
+              <a:rPr lang="en-US" dirty="0">
+                <a:latin typeface="Times New Roman" panose="02020603050405020304" pitchFamily="18" charset="0"/>
+                <a:cs typeface="Times New Roman" panose="02020603050405020304" pitchFamily="18" charset="0"/>
+              </a:rPr>
               <a:t>Left arm is being used to solve missions from right home, as the design suits to the missions to be solved.</a:t>
             </a:r>
           </a:p>
@@ -8775,14 +8971,20 @@
             <a:pPr marL="342900" indent="-342900">
               <a:buAutoNum type="arabicPeriod"/>
             </a:pPr>
-            <a:endParaRPr lang="en-US" dirty="0"/>
+            <a:endParaRPr lang="en-US" dirty="0">
+              <a:latin typeface="Times New Roman" panose="02020603050405020304" pitchFamily="18" charset="0"/>
+              <a:cs typeface="Times New Roman" panose="02020603050405020304" pitchFamily="18" charset="0"/>
+            </a:endParaRPr>
           </a:p>
           <a:p>
             <a:pPr marL="342900" indent="-342900">
               <a:buAutoNum type="arabicPeriod"/>
             </a:pPr>
             <a:r>
-              <a:rPr lang="en-US" dirty="0"/>
+              <a:rPr lang="en-US" dirty="0">
+                <a:latin typeface="Times New Roman" panose="02020603050405020304" pitchFamily="18" charset="0"/>
+                <a:cs typeface="Times New Roman" panose="02020603050405020304" pitchFamily="18" charset="0"/>
+              </a:rPr>
               <a:t>Right arm has two different attachments for two different mission solutions and left arm uses same attachment to solve multiple missions. It was decided based purely on nature of the missions.</a:t>
             </a:r>
           </a:p>
@@ -8790,14 +8992,20 @@
             <a:pPr marL="342900" indent="-342900">
               <a:buAutoNum type="arabicPeriod"/>
             </a:pPr>
-            <a:endParaRPr lang="en-US" dirty="0"/>
+            <a:endParaRPr lang="en-US" dirty="0">
+              <a:latin typeface="Times New Roman" panose="02020603050405020304" pitchFamily="18" charset="0"/>
+              <a:cs typeface="Times New Roman" panose="02020603050405020304" pitchFamily="18" charset="0"/>
+            </a:endParaRPr>
           </a:p>
           <a:p>
             <a:pPr marL="342900" indent="-342900">
               <a:buAutoNum type="arabicPeriod"/>
             </a:pPr>
             <a:r>
-              <a:rPr lang="en-US" dirty="0"/>
+              <a:rPr lang="en-US" dirty="0">
+                <a:latin typeface="Times New Roman" panose="02020603050405020304" pitchFamily="18" charset="0"/>
+                <a:cs typeface="Times New Roman" panose="02020603050405020304" pitchFamily="18" charset="0"/>
+              </a:rPr>
               <a:t>These two arms are of basic design which is easy to repair and contains parts that are easy to replace/rebuild.</a:t>
             </a:r>
           </a:p>
@@ -8805,14 +9013,20 @@
             <a:pPr marL="342900" indent="-342900">
               <a:buAutoNum type="arabicPeriod"/>
             </a:pPr>
-            <a:endParaRPr lang="en-US" dirty="0"/>
+            <a:endParaRPr lang="en-US" dirty="0">
+              <a:latin typeface="Times New Roman" panose="02020603050405020304" pitchFamily="18" charset="0"/>
+              <a:cs typeface="Times New Roman" panose="02020603050405020304" pitchFamily="18" charset="0"/>
+            </a:endParaRPr>
           </a:p>
           <a:p>
             <a:pPr marL="342900" indent="-342900">
               <a:buAutoNum type="arabicPeriod"/>
             </a:pPr>
             <a:r>
-              <a:rPr lang="en-US" dirty="0"/>
+              <a:rPr lang="en-US" dirty="0">
+                <a:latin typeface="Times New Roman" panose="02020603050405020304" pitchFamily="18" charset="0"/>
+                <a:cs typeface="Times New Roman" panose="02020603050405020304" pitchFamily="18" charset="0"/>
+              </a:rPr>
               <a:t>One arm is used to grab the model with two prong attachment and also to lift the statue after replacing with a wing attachment.</a:t>
             </a:r>
           </a:p>
@@ -8820,14 +9034,20 @@
             <a:pPr marL="342900" indent="-342900">
               <a:buAutoNum type="arabicPeriod"/>
             </a:pPr>
-            <a:endParaRPr lang="en-US" dirty="0"/>
+            <a:endParaRPr lang="en-US" dirty="0">
+              <a:latin typeface="Times New Roman" panose="02020603050405020304" pitchFamily="18" charset="0"/>
+              <a:cs typeface="Times New Roman" panose="02020603050405020304" pitchFamily="18" charset="0"/>
+            </a:endParaRPr>
           </a:p>
           <a:p>
             <a:pPr marL="342900" indent="-342900">
               <a:buAutoNum type="arabicPeriod"/>
             </a:pPr>
             <a:r>
-              <a:rPr lang="en-US" dirty="0"/>
+              <a:rPr lang="en-US" dirty="0">
+                <a:latin typeface="Times New Roman" panose="02020603050405020304" pitchFamily="18" charset="0"/>
+                <a:cs typeface="Times New Roman" panose="02020603050405020304" pitchFamily="18" charset="0"/>
+              </a:rPr>
               <a:t>Second arm is used to lift, drop and pull which needed to have a fork type of attachment.</a:t>
             </a:r>
           </a:p>
@@ -8835,23 +9055,35 @@
             <a:pPr marL="342900" indent="-342900">
               <a:buAutoNum type="arabicPeriod"/>
             </a:pPr>
-            <a:endParaRPr lang="en-US" dirty="0"/>
+            <a:endParaRPr lang="en-US" dirty="0">
+              <a:latin typeface="Times New Roman" panose="02020603050405020304" pitchFamily="18" charset="0"/>
+              <a:cs typeface="Times New Roman" panose="02020603050405020304" pitchFamily="18" charset="0"/>
+            </a:endParaRPr>
           </a:p>
           <a:p>
             <a:pPr marL="342900" indent="-342900">
               <a:buAutoNum type="arabicPeriod"/>
             </a:pPr>
             <a:r>
-              <a:rPr lang="en-US" dirty="0"/>
+              <a:rPr lang="en-US" dirty="0">
+                <a:latin typeface="Times New Roman" panose="02020603050405020304" pitchFamily="18" charset="0"/>
+                <a:cs typeface="Times New Roman" panose="02020603050405020304" pitchFamily="18" charset="0"/>
+              </a:rPr>
               <a:t>The reason for its tall arms to reach far away models which saves time, since they are kind of fixed, we make sure the height is within allowed 12 inches.</a:t>
             </a:r>
           </a:p>
           <a:p>
-            <a:endParaRPr lang="en-US" dirty="0"/>
-          </a:p>
-          <a:p>
-            <a:r>
-              <a:rPr lang="en-US" dirty="0"/>
+            <a:endParaRPr lang="en-US" dirty="0">
+              <a:latin typeface="Times New Roman" panose="02020603050405020304" pitchFamily="18" charset="0"/>
+              <a:cs typeface="Times New Roman" panose="02020603050405020304" pitchFamily="18" charset="0"/>
+            </a:endParaRPr>
+          </a:p>
+          <a:p>
+            <a:r>
+              <a:rPr lang="en-US" dirty="0">
+                <a:latin typeface="Times New Roman" panose="02020603050405020304" pitchFamily="18" charset="0"/>
+                <a:cs typeface="Times New Roman" panose="02020603050405020304" pitchFamily="18" charset="0"/>
+              </a:rPr>
               <a:t>7.  Box body is to have more stability while making turns, lifting  and to easily move between missions.</a:t>
             </a:r>
           </a:p>
@@ -8963,7 +9195,7 @@
         </p:blipFill>
         <p:spPr>
           <a:xfrm>
-            <a:off x="1137248" y="235749"/>
+            <a:off x="612797" y="3873418"/>
             <a:ext cx="2709729" cy="2752231"/>
           </a:xfrm>
           <a:prstGeom prst="rect">
@@ -8993,7 +9225,7 @@
         </p:blipFill>
         <p:spPr>
           <a:xfrm>
-            <a:off x="1538965" y="2684515"/>
+            <a:off x="3440409" y="3979914"/>
             <a:ext cx="1639282" cy="2539238"/>
           </a:xfrm>
           <a:prstGeom prst="rect">
@@ -9024,7 +9256,7 @@
         </p:blipFill>
         <p:spPr>
           <a:xfrm>
-            <a:off x="4013450" y="1472941"/>
+            <a:off x="5585075" y="3873418"/>
             <a:ext cx="2149946" cy="2174616"/>
           </a:xfrm>
           <a:prstGeom prst="rect">
@@ -9046,8 +9278,8 @@
         </p:nvSpPr>
         <p:spPr>
           <a:xfrm>
-            <a:off x="151392" y="5385059"/>
-            <a:ext cx="7724116" cy="1162423"/>
+            <a:off x="1768341" y="88715"/>
+            <a:ext cx="5691624" cy="451159"/>
           </a:xfrm>
           <a:prstGeom prst="rect">
             <a:avLst/>
@@ -9055,7 +9287,7 @@
         </p:spPr>
         <p:txBody>
           <a:bodyPr vert="horz" lIns="91440" tIns="45720" rIns="91440" bIns="45720" rtlCol="0" anchor="b">
-            <a:normAutofit fontScale="77500" lnSpcReduction="20000"/>
+            <a:normAutofit fontScale="92500" lnSpcReduction="10000"/>
           </a:bodyPr>
           <a:lstStyle/>
           <a:p>
@@ -9068,18 +9300,52 @@
               </a:spcAft>
             </a:pPr>
             <a:r>
-              <a:rPr lang="en-US" sz="5400" b="1" i="1" dirty="0">
+              <a:rPr lang="en-US" sz="2800" b="1" dirty="0">
                 <a:solidFill>
-                  <a:schemeClr val="tx1">
-                    <a:lumMod val="85000"/>
-                    <a:lumOff val="15000"/>
-                  </a:schemeClr>
+                  <a:srgbClr val="7030A0"/>
                 </a:solidFill>
-                <a:latin typeface="+mj-lt"/>
-                <a:ea typeface="+mj-ea"/>
-                <a:cs typeface="+mj-cs"/>
+                <a:latin typeface="Times New Roman" panose="02020603050405020304" pitchFamily="18" charset="0"/>
+                <a:cs typeface="Times New Roman" panose="02020603050405020304" pitchFamily="18" charset="0"/>
               </a:rPr>
               <a:t>Forge, Heavy lifting &amp; who lived here?</a:t>
+            </a:r>
+          </a:p>
+        </p:txBody>
+      </p:sp>
+      <p:sp>
+        <p:nvSpPr>
+          <p:cNvPr id="4" name="TextBox 3">
+            <a:extLst>
+              <a:ext uri="{FF2B5EF4-FFF2-40B4-BE49-F238E27FC236}">
+                <a16:creationId xmlns:a16="http://schemas.microsoft.com/office/drawing/2014/main" id="{20031283-6E1F-5A66-77D5-D13BC3F80895}"/>
+              </a:ext>
+            </a:extLst>
+          </p:cNvPr>
+          <p:cNvSpPr txBox="1"/>
+          <p:nvPr/>
+        </p:nvSpPr>
+        <p:spPr>
+          <a:xfrm>
+            <a:off x="323850" y="723900"/>
+            <a:ext cx="7411171" cy="923330"/>
+          </a:xfrm>
+          <a:prstGeom prst="rect">
+            <a:avLst/>
+          </a:prstGeom>
+          <a:noFill/>
+        </p:spPr>
+        <p:txBody>
+          <a:bodyPr wrap="square" rtlCol="0">
+            <a:spAutoFit/>
+          </a:bodyPr>
+          <a:lstStyle/>
+          <a:p>
+            <a:r>
+              <a:rPr lang="en-US" dirty="0">
+                <a:latin typeface="Times New Roman" panose="02020603050405020304" pitchFamily="18" charset="0"/>
+                <a:cs typeface="Times New Roman" panose="02020603050405020304" pitchFamily="18" charset="0"/>
+              </a:rPr>
+              <a:t>Solved all 3 mission in one run to score 90 points, used a passive attachment to roll down the forge rocks and to find out who lived here. Left arm is being used to lift the ring.</a:t>
             </a:r>
           </a:p>
         </p:txBody>
@@ -9226,8 +9492,8 @@
         </p:nvSpPr>
         <p:spPr>
           <a:xfrm>
-            <a:off x="584590" y="559949"/>
-            <a:ext cx="7724116" cy="1162423"/>
+            <a:off x="2067254" y="64649"/>
+            <a:ext cx="5202226" cy="581211"/>
           </a:xfrm>
           <a:prstGeom prst="rect">
             <a:avLst/>
@@ -9235,7 +9501,7 @@
         </p:spPr>
         <p:txBody>
           <a:bodyPr vert="horz" lIns="91440" tIns="45720" rIns="91440" bIns="45720" rtlCol="0" anchor="b">
-            <a:normAutofit fontScale="77500" lnSpcReduction="20000"/>
+            <a:normAutofit/>
           </a:bodyPr>
           <a:lstStyle/>
           <a:p>
@@ -9248,16 +9514,12 @@
               </a:spcAft>
             </a:pPr>
             <a:r>
-              <a:rPr lang="en-US" sz="5400" b="1" i="1" dirty="0">
+              <a:rPr lang="en-US" sz="2800" b="1" dirty="0">
                 <a:solidFill>
-                  <a:schemeClr val="tx1">
-                    <a:lumMod val="85000"/>
-                    <a:lumOff val="15000"/>
-                  </a:schemeClr>
+                  <a:srgbClr val="7030A0"/>
                 </a:solidFill>
-                <a:latin typeface="+mj-lt"/>
-                <a:ea typeface="+mj-ea"/>
-                <a:cs typeface="+mj-cs"/>
+                <a:latin typeface="Times New Roman" panose="02020603050405020304" pitchFamily="18" charset="0"/>
+                <a:cs typeface="Times New Roman" panose="02020603050405020304" pitchFamily="18" charset="0"/>
               </a:rPr>
               <a:t>Tip the Scale &amp; what’s on Sale?</a:t>
             </a:r>
@@ -9266,10 +9528,10 @@
       </p:sp>
       <p:pic>
         <p:nvPicPr>
-          <p:cNvPr id="13" name="Picture 12">
+          <p:cNvPr id="21" name="Picture 20">
             <a:extLst>
               <a:ext uri="{FF2B5EF4-FFF2-40B4-BE49-F238E27FC236}">
-                <a16:creationId xmlns:a16="http://schemas.microsoft.com/office/drawing/2014/main" id="{F9029D04-AF77-80BD-70E7-A8028E6E65D0}"/>
+                <a16:creationId xmlns:a16="http://schemas.microsoft.com/office/drawing/2014/main" id="{06B1E1D9-9206-A6EA-40B3-50F9FDB823C6}"/>
               </a:ext>
             </a:extLst>
           </p:cNvPr>
@@ -9279,21 +9541,15 @@
           <p:nvPr/>
         </p:nvPicPr>
         <p:blipFill>
-          <a:blip r:embed="rId5">
-            <a:extLst>
-              <a:ext uri="{28A0092B-C50C-407E-A947-70E740481C1C}">
-                <a14:useLocalDpi xmlns:a14="http://schemas.microsoft.com/office/drawing/2010/main" val="0"/>
-              </a:ext>
-            </a:extLst>
-          </a:blip>
+          <a:blip r:embed="rId5"/>
           <a:stretch>
             <a:fillRect/>
           </a:stretch>
         </p:blipFill>
         <p:spPr>
           <a:xfrm>
-            <a:off x="4327665" y="2296691"/>
-            <a:ext cx="7267574" cy="4496660"/>
+            <a:off x="3934884" y="2489771"/>
+            <a:ext cx="771633" cy="1371791"/>
           </a:xfrm>
           <a:prstGeom prst="rect">
             <a:avLst/>
@@ -9329,6 +9585,362 @@
         <p:cNvPr id="1" name="">
           <a:extLst>
             <a:ext uri="{FF2B5EF4-FFF2-40B4-BE49-F238E27FC236}">
+              <a16:creationId xmlns:a16="http://schemas.microsoft.com/office/drawing/2014/main" id="{6E4A6771-077C-4C4E-B176-16FF74AD330F}"/>
+            </a:ext>
+          </a:extLst>
+        </p:cNvPr>
+        <p:cNvGrpSpPr/>
+        <p:nvPr/>
+      </p:nvGrpSpPr>
+      <p:grpSpPr>
+        <a:xfrm>
+          <a:off x="0" y="0"/>
+          <a:ext cx="0" cy="0"/>
+          <a:chOff x="0" y="0"/>
+          <a:chExt cx="0" cy="0"/>
+        </a:xfrm>
+      </p:grpSpPr>
+      <p:pic>
+        <p:nvPicPr>
+          <p:cNvPr id="7" name="Picture 6">
+            <a:extLst>
+              <a:ext uri="{FF2B5EF4-FFF2-40B4-BE49-F238E27FC236}">
+                <a16:creationId xmlns:a16="http://schemas.microsoft.com/office/drawing/2014/main" id="{47BA809E-AA29-6AEC-816B-3443FC7F82A0}"/>
+              </a:ext>
+            </a:extLst>
+          </p:cNvPr>
+          <p:cNvPicPr>
+            <a:picLocks noChangeAspect="1"/>
+          </p:cNvPicPr>
+          <p:nvPr/>
+        </p:nvPicPr>
+        <p:blipFill>
+          <a:blip r:embed="rId2"/>
+          <a:stretch>
+            <a:fillRect/>
+          </a:stretch>
+        </p:blipFill>
+        <p:spPr>
+          <a:xfrm>
+            <a:off x="2551067" y="2848276"/>
+            <a:ext cx="2574662" cy="3228416"/>
+          </a:xfrm>
+          <a:prstGeom prst="rect">
+            <a:avLst/>
+          </a:prstGeom>
+        </p:spPr>
+      </p:pic>
+      <p:sp>
+        <p:nvSpPr>
+          <p:cNvPr id="3" name="TextBox 2">
+            <a:extLst>
+              <a:ext uri="{FF2B5EF4-FFF2-40B4-BE49-F238E27FC236}">
+                <a16:creationId xmlns:a16="http://schemas.microsoft.com/office/drawing/2014/main" id="{135B73F3-DFF3-F307-53DF-12029EC9E721}"/>
+              </a:ext>
+            </a:extLst>
+          </p:cNvPr>
+          <p:cNvSpPr txBox="1"/>
+          <p:nvPr/>
+        </p:nvSpPr>
+        <p:spPr>
+          <a:xfrm>
+            <a:off x="1687449" y="166982"/>
+            <a:ext cx="5064498" cy="591975"/>
+          </a:xfrm>
+          <a:prstGeom prst="rect">
+            <a:avLst/>
+          </a:prstGeom>
+        </p:spPr>
+        <p:txBody>
+          <a:bodyPr vert="horz" lIns="91440" tIns="45720" rIns="91440" bIns="45720" rtlCol="0" anchor="b">
+            <a:normAutofit/>
+          </a:bodyPr>
+          <a:lstStyle>
+            <a:defPPr>
+              <a:defRPr lang="en-US"/>
+            </a:defPPr>
+            <a:lvl1pPr>
+              <a:spcBef>
+                <a:spcPct val="0"/>
+              </a:spcBef>
+              <a:spcAft>
+                <a:spcPts val="600"/>
+              </a:spcAft>
+              <a:defRPr sz="2800" b="1">
+                <a:solidFill>
+                  <a:srgbClr val="7030A0"/>
+                </a:solidFill>
+                <a:latin typeface="Times New Roman" panose="02020603050405020304" pitchFamily="18" charset="0"/>
+                <a:cs typeface="Times New Roman" panose="02020603050405020304" pitchFamily="18" charset="0"/>
+              </a:defRPr>
+            </a:lvl1pPr>
+          </a:lstStyle>
+          <a:p>
+            <a:pPr algn="ctr"/>
+            <a:r>
+              <a:rPr lang="en-US" dirty="0"/>
+              <a:t>SALVAGE OPERATION</a:t>
+            </a:r>
+          </a:p>
+        </p:txBody>
+      </p:sp>
+      <p:sp>
+        <p:nvSpPr>
+          <p:cNvPr id="9" name="TextBox 8">
+            <a:extLst>
+              <a:ext uri="{FF2B5EF4-FFF2-40B4-BE49-F238E27FC236}">
+                <a16:creationId xmlns:a16="http://schemas.microsoft.com/office/drawing/2014/main" id="{DDE66BF6-CA0C-2A62-6F09-EAED001CF0DA}"/>
+              </a:ext>
+            </a:extLst>
+          </p:cNvPr>
+          <p:cNvSpPr txBox="1"/>
+          <p:nvPr/>
+        </p:nvSpPr>
+        <p:spPr>
+          <a:xfrm>
+            <a:off x="247135" y="874875"/>
+            <a:ext cx="6504812" cy="1754326"/>
+          </a:xfrm>
+          <a:prstGeom prst="rect">
+            <a:avLst/>
+          </a:prstGeom>
+          <a:noFill/>
+        </p:spPr>
+        <p:txBody>
+          <a:bodyPr wrap="square" rtlCol="0">
+            <a:spAutoFit/>
+          </a:bodyPr>
+          <a:lstStyle/>
+          <a:p>
+            <a:pPr marL="0" marR="0" lvl="0" indent="0" defTabSz="457200" rtl="0" eaLnBrk="1" fontAlgn="auto" latinLnBrk="0" hangingPunct="1">
+              <a:lnSpc>
+                <a:spcPct val="100000"/>
+              </a:lnSpc>
+              <a:spcBef>
+                <a:spcPts val="0"/>
+              </a:spcBef>
+              <a:spcAft>
+                <a:spcPts val="0"/>
+              </a:spcAft>
+              <a:buClrTx/>
+              <a:buSzTx/>
+              <a:buFontTx/>
+              <a:buNone/>
+              <a:tabLst/>
+              <a:defRPr/>
+            </a:pPr>
+            <a:r>
+              <a:rPr kumimoji="0" lang="en-US" sz="1800" i="0" u="none" strike="noStrike" kern="1200" cap="none" spc="0" normalizeH="0" baseline="0" noProof="0" dirty="0">
+                <a:ln>
+                  <a:noFill/>
+                </a:ln>
+                <a:solidFill>
+                  <a:srgbClr val="000000"/>
+                </a:solidFill>
+                <a:effectLst/>
+                <a:uLnTx/>
+                <a:uFillTx/>
+                <a:latin typeface="Times New Roman" panose="02020603050405020304" pitchFamily="18" charset="0"/>
+                <a:ea typeface="Tahoma" panose="020B0604030504040204" pitchFamily="34" charset="0"/>
+                <a:cs typeface="Times New Roman" panose="02020603050405020304" pitchFamily="18" charset="0"/>
+              </a:rPr>
+              <a:t>While doing the mission salvage operation, </a:t>
+            </a:r>
+            <a:r>
+              <a:rPr lang="en-US" dirty="0">
+                <a:solidFill>
+                  <a:srgbClr val="000000"/>
+                </a:solidFill>
+                <a:latin typeface="Times New Roman" panose="02020603050405020304" pitchFamily="18" charset="0"/>
+                <a:ea typeface="Tahoma" panose="020B0604030504040204" pitchFamily="34" charset="0"/>
+                <a:cs typeface="Times New Roman" panose="02020603050405020304" pitchFamily="18" charset="0"/>
+              </a:rPr>
+              <a:t>came across multiple hurdles like missing target while dropping the flag, ship is not raising fully etc. Could solve them by using a passive</a:t>
+            </a:r>
+            <a:r>
+              <a:rPr kumimoji="0" lang="en-US" sz="1800" i="0" u="none" strike="noStrike" kern="1200" cap="none" spc="0" normalizeH="0" baseline="0" noProof="0" dirty="0">
+                <a:ln>
+                  <a:noFill/>
+                </a:ln>
+                <a:solidFill>
+                  <a:srgbClr val="000000"/>
+                </a:solidFill>
+                <a:effectLst/>
+                <a:uLnTx/>
+                <a:uFillTx/>
+                <a:latin typeface="Times New Roman" panose="02020603050405020304" pitchFamily="18" charset="0"/>
+                <a:ea typeface="Tahoma" panose="020B0604030504040204" pitchFamily="34" charset="0"/>
+                <a:cs typeface="Times New Roman" panose="02020603050405020304" pitchFamily="18" charset="0"/>
+              </a:rPr>
+              <a:t> attachment </a:t>
+            </a:r>
+            <a:r>
+              <a:rPr lang="en-US" dirty="0">
+                <a:solidFill>
+                  <a:srgbClr val="000000"/>
+                </a:solidFill>
+                <a:latin typeface="Times New Roman" panose="02020603050405020304" pitchFamily="18" charset="0"/>
+                <a:ea typeface="Tahoma" panose="020B0604030504040204" pitchFamily="34" charset="0"/>
+                <a:cs typeface="Times New Roman" panose="02020603050405020304" pitchFamily="18" charset="0"/>
+              </a:rPr>
+              <a:t>to</a:t>
+            </a:r>
+            <a:r>
+              <a:rPr kumimoji="0" lang="en-US" sz="1800" i="0" u="none" strike="noStrike" kern="1200" cap="none" spc="0" normalizeH="0" baseline="0" noProof="0" dirty="0">
+                <a:ln>
+                  <a:noFill/>
+                </a:ln>
+                <a:solidFill>
+                  <a:srgbClr val="000000"/>
+                </a:solidFill>
+                <a:effectLst/>
+                <a:uLnTx/>
+                <a:uFillTx/>
+                <a:latin typeface="Times New Roman" panose="02020603050405020304" pitchFamily="18" charset="0"/>
+                <a:ea typeface="Tahoma" panose="020B0604030504040204" pitchFamily="34" charset="0"/>
+                <a:cs typeface="Times New Roman" panose="02020603050405020304" pitchFamily="18" charset="0"/>
+              </a:rPr>
+              <a:t> push the ship, right arm to slide down the sand and left arm to drop the flag in a sequential manner.</a:t>
+            </a:r>
+            <a:endParaRPr kumimoji="0" lang="en-US" sz="1800" i="0" u="none" strike="noStrike" kern="1200" cap="none" spc="0" normalizeH="0" baseline="0" noProof="0" dirty="0">
+              <a:ln>
+                <a:noFill/>
+              </a:ln>
+              <a:solidFill>
+                <a:srgbClr val="7F7F7F"/>
+              </a:solidFill>
+              <a:effectLst/>
+              <a:uLnTx/>
+              <a:uFillTx/>
+              <a:latin typeface="Times New Roman" panose="02020603050405020304" pitchFamily="18" charset="0"/>
+              <a:ea typeface="Tahoma" panose="020B0604030504040204" pitchFamily="34" charset="0"/>
+              <a:cs typeface="Times New Roman" panose="02020603050405020304" pitchFamily="18" charset="0"/>
+            </a:endParaRPr>
+          </a:p>
+          <a:p>
+            <a:pPr marL="0" marR="0" lvl="0" indent="0" algn="l" defTabSz="457200" rtl="0" eaLnBrk="1" fontAlgn="auto" latinLnBrk="0" hangingPunct="1">
+              <a:lnSpc>
+                <a:spcPct val="100000"/>
+              </a:lnSpc>
+              <a:spcBef>
+                <a:spcPts val="0"/>
+              </a:spcBef>
+              <a:spcAft>
+                <a:spcPts val="0"/>
+              </a:spcAft>
+              <a:buClrTx/>
+              <a:buSzTx/>
+              <a:buFontTx/>
+              <a:buNone/>
+              <a:tabLst/>
+              <a:defRPr/>
+            </a:pPr>
+            <a:endParaRPr kumimoji="0" lang="en-US" sz="1800" b="0" i="0" u="none" strike="noStrike" kern="1200" cap="none" spc="0" normalizeH="0" baseline="0" noProof="0" dirty="0">
+              <a:ln>
+                <a:noFill/>
+              </a:ln>
+              <a:solidFill>
+                <a:prstClr val="black"/>
+              </a:solidFill>
+              <a:effectLst/>
+              <a:uLnTx/>
+              <a:uFillTx/>
+              <a:latin typeface="Century Gothic" panose="020B0502020202020204"/>
+              <a:ea typeface="+mn-ea"/>
+              <a:cs typeface="+mn-cs"/>
+            </a:endParaRPr>
+          </a:p>
+        </p:txBody>
+      </p:sp>
+      <p:pic>
+        <p:nvPicPr>
+          <p:cNvPr id="18" name="Picture 17">
+            <a:extLst>
+              <a:ext uri="{FF2B5EF4-FFF2-40B4-BE49-F238E27FC236}">
+                <a16:creationId xmlns:a16="http://schemas.microsoft.com/office/drawing/2014/main" id="{5F52A577-B75F-986E-498A-69E0366DF798}"/>
+              </a:ext>
+            </a:extLst>
+          </p:cNvPr>
+          <p:cNvPicPr>
+            <a:picLocks noChangeAspect="1"/>
+          </p:cNvPicPr>
+          <p:nvPr/>
+        </p:nvPicPr>
+        <p:blipFill>
+          <a:blip r:embed="rId3"/>
+          <a:stretch>
+            <a:fillRect/>
+          </a:stretch>
+        </p:blipFill>
+        <p:spPr>
+          <a:xfrm>
+            <a:off x="6705600" y="9525"/>
+            <a:ext cx="5486400" cy="6858000"/>
+          </a:xfrm>
+          <a:prstGeom prst="rect">
+            <a:avLst/>
+          </a:prstGeom>
+        </p:spPr>
+      </p:pic>
+      <p:pic>
+        <p:nvPicPr>
+          <p:cNvPr id="21" name="Picture 20">
+            <a:extLst>
+              <a:ext uri="{FF2B5EF4-FFF2-40B4-BE49-F238E27FC236}">
+                <a16:creationId xmlns:a16="http://schemas.microsoft.com/office/drawing/2014/main" id="{19B767AC-1F09-68FA-5B44-51DDCAB3CFDB}"/>
+              </a:ext>
+            </a:extLst>
+          </p:cNvPr>
+          <p:cNvPicPr>
+            <a:picLocks noChangeAspect="1"/>
+          </p:cNvPicPr>
+          <p:nvPr/>
+        </p:nvPicPr>
+        <p:blipFill>
+          <a:blip r:embed="rId4"/>
+          <a:stretch>
+            <a:fillRect/>
+          </a:stretch>
+        </p:blipFill>
+        <p:spPr>
+          <a:xfrm>
+            <a:off x="3700408" y="3533679"/>
+            <a:ext cx="771633" cy="1371791"/>
+          </a:xfrm>
+          <a:prstGeom prst="rect">
+            <a:avLst/>
+          </a:prstGeom>
+        </p:spPr>
+      </p:pic>
+    </p:spTree>
+    <p:extLst>
+      <p:ext uri="{BB962C8B-B14F-4D97-AF65-F5344CB8AC3E}">
+        <p14:creationId xmlns:p14="http://schemas.microsoft.com/office/powerpoint/2010/main" val="3832592350"/>
+      </p:ext>
+    </p:extLst>
+  </p:cSld>
+  <p:clrMapOvr>
+    <a:masterClrMapping/>
+  </p:clrMapOvr>
+</p:sld>
+</file>
+
+<file path=ppt/slides/slide7.xml><?xml version="1.0" encoding="utf-8"?>
+<p:sld xmlns:a="http://schemas.openxmlformats.org/drawingml/2006/main" xmlns:r="http://schemas.openxmlformats.org/officeDocument/2006/relationships" xmlns:p="http://schemas.openxmlformats.org/presentationml/2006/main" showMasterSp="0">
+  <p:cSld>
+    <p:bg>
+      <p:bgPr>
+        <a:solidFill>
+          <a:schemeClr val="bg1"/>
+        </a:solidFill>
+        <a:effectLst/>
+      </p:bgPr>
+    </p:bg>
+    <p:spTree>
+      <p:nvGrpSpPr>
+        <p:cNvPr id="1" name="">
+          <a:extLst>
+            <a:ext uri="{FF2B5EF4-FFF2-40B4-BE49-F238E27FC236}">
               <a16:creationId xmlns:a16="http://schemas.microsoft.com/office/drawing/2014/main" id="{9E9F7EFB-4BDE-0904-27B9-9FF1061D9988}"/>
             </a:ext>
           </a:extLst>
@@ -9466,7 +10078,7 @@
 </p:sld>
 </file>
 
-<file path=ppt/slides/slide7.xml><?xml version="1.0" encoding="utf-8"?>
+<file path=ppt/slides/slide8.xml><?xml version="1.0" encoding="utf-8"?>
 <p:sld xmlns:a="http://schemas.openxmlformats.org/drawingml/2006/main" xmlns:r="http://schemas.openxmlformats.org/officeDocument/2006/relationships" xmlns:p="http://schemas.openxmlformats.org/presentationml/2006/main" showMasterSp="0">
   <p:cSld>
     <p:bg>
@@ -9619,7 +10231,7 @@
 </p:sld>
 </file>
 
-<file path=ppt/slides/slide8.xml><?xml version="1.0" encoding="utf-8"?>
+<file path=ppt/slides/slide9.xml><?xml version="1.0" encoding="utf-8"?>
 <p:sld xmlns:a="http://schemas.openxmlformats.org/drawingml/2006/main" xmlns:r="http://schemas.openxmlformats.org/officeDocument/2006/relationships" xmlns:p="http://schemas.openxmlformats.org/presentationml/2006/main" showMasterSp="0">
   <p:cSld>
     <p:bg>
@@ -9763,159 +10375,6 @@
     <p:extLst>
       <p:ext uri="{BB962C8B-B14F-4D97-AF65-F5344CB8AC3E}">
         <p14:creationId xmlns:p14="http://schemas.microsoft.com/office/powerpoint/2010/main" val="3403868860"/>
-      </p:ext>
-    </p:extLst>
-  </p:cSld>
-  <p:clrMapOvr>
-    <a:masterClrMapping/>
-  </p:clrMapOvr>
-</p:sld>
-</file>
-
-<file path=ppt/slides/slide9.xml><?xml version="1.0" encoding="utf-8"?>
-<p:sld xmlns:a="http://schemas.openxmlformats.org/drawingml/2006/main" xmlns:r="http://schemas.openxmlformats.org/officeDocument/2006/relationships" xmlns:p="http://schemas.openxmlformats.org/presentationml/2006/main" showMasterSp="0">
-  <p:cSld>
-    <p:bg>
-      <p:bgPr>
-        <a:solidFill>
-          <a:schemeClr val="bg1"/>
-        </a:solidFill>
-        <a:effectLst/>
-      </p:bgPr>
-    </p:bg>
-    <p:spTree>
-      <p:nvGrpSpPr>
-        <p:cNvPr id="1" name="">
-          <a:extLst>
-            <a:ext uri="{FF2B5EF4-FFF2-40B4-BE49-F238E27FC236}">
-              <a16:creationId xmlns:a16="http://schemas.microsoft.com/office/drawing/2014/main" id="{C7C78542-2765-FBDB-1D92-8EFBBC0C919B}"/>
-            </a:ext>
-          </a:extLst>
-        </p:cNvPr>
-        <p:cNvGrpSpPr/>
-        <p:nvPr/>
-      </p:nvGrpSpPr>
-      <p:grpSpPr>
-        <a:xfrm>
-          <a:off x="0" y="0"/>
-          <a:ext cx="0" cy="0"/>
-          <a:chOff x="0" y="0"/>
-          <a:chExt cx="0" cy="0"/>
-        </a:xfrm>
-      </p:grpSpPr>
-      <p:sp>
-        <p:nvSpPr>
-          <p:cNvPr id="2" name="TextBox 1">
-            <a:extLst>
-              <a:ext uri="{FF2B5EF4-FFF2-40B4-BE49-F238E27FC236}">
-                <a16:creationId xmlns:a16="http://schemas.microsoft.com/office/drawing/2014/main" id="{77954EF2-07FA-8964-265B-221838CDB9F6}"/>
-              </a:ext>
-            </a:extLst>
-          </p:cNvPr>
-          <p:cNvSpPr txBox="1"/>
-          <p:nvPr/>
-        </p:nvSpPr>
-        <p:spPr>
-          <a:xfrm>
-            <a:off x="540279" y="967417"/>
-            <a:ext cx="3778870" cy="3943250"/>
-          </a:xfrm>
-          <a:prstGeom prst="rect">
-            <a:avLst/>
-          </a:prstGeom>
-        </p:spPr>
-        <p:txBody>
-          <a:bodyPr vert="horz" lIns="91440" tIns="45720" rIns="91440" bIns="45720" rtlCol="0" anchor="b">
-            <a:normAutofit/>
-          </a:bodyPr>
-          <a:lstStyle/>
-          <a:p>
-            <a:pPr>
-              <a:spcBef>
-                <a:spcPct val="0"/>
-              </a:spcBef>
-              <a:spcAft>
-                <a:spcPts val="600"/>
-              </a:spcAft>
-            </a:pPr>
-            <a:r>
-              <a:rPr lang="en-US" sz="4000" b="1" i="1" dirty="0">
-                <a:solidFill>
-                  <a:srgbClr val="FEFFFF"/>
-                </a:solidFill>
-                <a:latin typeface="+mj-lt"/>
-                <a:ea typeface="+mj-ea"/>
-                <a:cs typeface="+mj-cs"/>
-              </a:rPr>
-              <a:t>Careful Recovery</a:t>
-            </a:r>
-          </a:p>
-        </p:txBody>
-      </p:sp>
-      <p:pic>
-        <p:nvPicPr>
-          <p:cNvPr id="5" name="Picture 4">
-            <a:extLst>
-              <a:ext uri="{FF2B5EF4-FFF2-40B4-BE49-F238E27FC236}">
-                <a16:creationId xmlns:a16="http://schemas.microsoft.com/office/drawing/2014/main" id="{5EB49002-9D78-720C-63F1-21C2465143CE}"/>
-              </a:ext>
-            </a:extLst>
-          </p:cNvPr>
-          <p:cNvPicPr>
-            <a:picLocks noChangeAspect="1"/>
-          </p:cNvPicPr>
-          <p:nvPr/>
-        </p:nvPicPr>
-        <p:blipFill>
-          <a:blip r:embed="rId2"/>
-          <a:stretch>
-            <a:fillRect/>
-          </a:stretch>
-        </p:blipFill>
-        <p:spPr>
-          <a:xfrm>
-            <a:off x="5751720" y="2371631"/>
-            <a:ext cx="2574662" cy="2117659"/>
-          </a:xfrm>
-          <a:prstGeom prst="rect">
-            <a:avLst/>
-          </a:prstGeom>
-        </p:spPr>
-      </p:pic>
-      <p:pic>
-        <p:nvPicPr>
-          <p:cNvPr id="3" name="Picture 2">
-            <a:extLst>
-              <a:ext uri="{FF2B5EF4-FFF2-40B4-BE49-F238E27FC236}">
-                <a16:creationId xmlns:a16="http://schemas.microsoft.com/office/drawing/2014/main" id="{C3132EDD-0428-F17E-7107-D0E36CC89F0A}"/>
-              </a:ext>
-            </a:extLst>
-          </p:cNvPr>
-          <p:cNvPicPr>
-            <a:picLocks noChangeAspect="1"/>
-          </p:cNvPicPr>
-          <p:nvPr/>
-        </p:nvPicPr>
-        <p:blipFill>
-          <a:blip r:embed="rId3"/>
-          <a:stretch>
-            <a:fillRect/>
-          </a:stretch>
-        </p:blipFill>
-        <p:spPr>
-          <a:xfrm>
-            <a:off x="8490108" y="2314111"/>
-            <a:ext cx="2574662" cy="2233518"/>
-          </a:xfrm>
-          <a:prstGeom prst="rect">
-            <a:avLst/>
-          </a:prstGeom>
-        </p:spPr>
-      </p:pic>
-    </p:spTree>
-    <p:extLst>
-      <p:ext uri="{BB962C8B-B14F-4D97-AF65-F5344CB8AC3E}">
-        <p14:creationId xmlns:p14="http://schemas.microsoft.com/office/powerpoint/2010/main" val="3341423121"/>
       </p:ext>
     </p:extLst>
   </p:cSld>

--- a/Robot Design.pptx
+++ b/Robot Design.pptx
@@ -9556,6 +9556,56 @@
           </a:prstGeom>
         </p:spPr>
       </p:pic>
+      <p:sp>
+        <p:nvSpPr>
+          <p:cNvPr id="24" name="TextBox 23">
+            <a:extLst>
+              <a:ext uri="{FF2B5EF4-FFF2-40B4-BE49-F238E27FC236}">
+                <a16:creationId xmlns:a16="http://schemas.microsoft.com/office/drawing/2014/main" id="{22F41FCC-421A-85BD-4DCA-4C40BBC62BA2}"/>
+              </a:ext>
+            </a:extLst>
+          </p:cNvPr>
+          <p:cNvSpPr txBox="1"/>
+          <p:nvPr/>
+        </p:nvSpPr>
+        <p:spPr>
+          <a:xfrm>
+            <a:off x="323850" y="723900"/>
+            <a:ext cx="7411171" cy="1200329"/>
+          </a:xfrm>
+          <a:prstGeom prst="rect">
+            <a:avLst/>
+          </a:prstGeom>
+          <a:noFill/>
+        </p:spPr>
+        <p:txBody>
+          <a:bodyPr wrap="square" rtlCol="0">
+            <a:spAutoFit/>
+          </a:bodyPr>
+          <a:lstStyle/>
+          <a:p>
+            <a:r>
+              <a:rPr lang="en-US" dirty="0">
+                <a:latin typeface="Times New Roman" panose="02020603050405020304" pitchFamily="18" charset="0"/>
+                <a:cs typeface="Times New Roman" panose="02020603050405020304" pitchFamily="18" charset="0"/>
+              </a:rPr>
+              <a:t>One of the tough missions to solve this season, doing 2 runs in 35 seconds to score 75 points. Used a passive attachment to raise the roof and another to lift the store. Used a one side puller to drag the scale out and knock off the bucket because of it. </a:t>
+            </a:r>
+            <a:r>
+              <a:rPr lang="en-US" dirty="0">
+                <a:latin typeface="Times New Roman" panose="02020603050405020304" pitchFamily="18" charset="0"/>
+                <a:cs typeface="Times New Roman" panose="02020603050405020304" pitchFamily="18" charset="0"/>
+                <a:sym typeface="Wingdings" panose="05000000000000000000" pitchFamily="2" charset="2"/>
+              </a:rPr>
+              <a:t></a:t>
+            </a:r>
+            <a:endParaRPr lang="en-US" dirty="0">
+              <a:latin typeface="Times New Roman" panose="02020603050405020304" pitchFamily="18" charset="0"/>
+              <a:cs typeface="Times New Roman" panose="02020603050405020304" pitchFamily="18" charset="0"/>
+            </a:endParaRPr>
+          </a:p>
+        </p:txBody>
+      </p:sp>
     </p:spTree>
     <p:extLst>
       <p:ext uri="{BB962C8B-B14F-4D97-AF65-F5344CB8AC3E}">
@@ -9622,7 +9672,7 @@
         </p:blipFill>
         <p:spPr>
           <a:xfrm>
-            <a:off x="2551067" y="2848276"/>
+            <a:off x="4219698" y="1929107"/>
             <a:ext cx="2574662" cy="3228416"/>
           </a:xfrm>
           <a:prstGeom prst="rect">
@@ -9698,8 +9748,8 @@
         </p:nvSpPr>
         <p:spPr>
           <a:xfrm>
-            <a:off x="247135" y="874875"/>
-            <a:ext cx="6504812" cy="1754326"/>
+            <a:off x="247134" y="874875"/>
+            <a:ext cx="9433495" cy="1200329"/>
           </a:xfrm>
           <a:prstGeom prst="rect">
             <a:avLst/>
@@ -9854,10 +9904,10 @@
       </p:sp>
       <p:pic>
         <p:nvPicPr>
-          <p:cNvPr id="18" name="Picture 17">
+          <p:cNvPr id="21" name="Picture 20">
             <a:extLst>
               <a:ext uri="{FF2B5EF4-FFF2-40B4-BE49-F238E27FC236}">
-                <a16:creationId xmlns:a16="http://schemas.microsoft.com/office/drawing/2014/main" id="{5F52A577-B75F-986E-498A-69E0366DF798}"/>
+                <a16:creationId xmlns:a16="http://schemas.microsoft.com/office/drawing/2014/main" id="{19B767AC-1F09-68FA-5B44-51DDCAB3CFDB}"/>
               </a:ext>
             </a:extLst>
           </p:cNvPr>
@@ -9874,8 +9924,8 @@
         </p:blipFill>
         <p:spPr>
           <a:xfrm>
-            <a:off x="6705600" y="9525"/>
-            <a:ext cx="5486400" cy="6858000"/>
+            <a:off x="5324367" y="2578508"/>
+            <a:ext cx="771633" cy="1371791"/>
           </a:xfrm>
           <a:prstGeom prst="rect">
             <a:avLst/>
@@ -9884,10 +9934,10 @@
       </p:pic>
       <p:pic>
         <p:nvPicPr>
-          <p:cNvPr id="21" name="Picture 20">
+          <p:cNvPr id="23" name="Picture 22">
             <a:extLst>
               <a:ext uri="{FF2B5EF4-FFF2-40B4-BE49-F238E27FC236}">
-                <a16:creationId xmlns:a16="http://schemas.microsoft.com/office/drawing/2014/main" id="{19B767AC-1F09-68FA-5B44-51DDCAB3CFDB}"/>
+                <a16:creationId xmlns:a16="http://schemas.microsoft.com/office/drawing/2014/main" id="{8B414384-54B5-AADA-7DFF-7365E89CE28D}"/>
               </a:ext>
             </a:extLst>
           </p:cNvPr>
@@ -9904,8 +9954,8 @@
         </p:blipFill>
         <p:spPr>
           <a:xfrm>
-            <a:off x="3700408" y="3533679"/>
-            <a:ext cx="771633" cy="1371791"/>
+            <a:off x="9680630" y="0"/>
+            <a:ext cx="2489090" cy="6858000"/>
           </a:xfrm>
           <a:prstGeom prst="rect">
             <a:avLst/>

--- a/Robot Design.pptx
+++ b/Robot Design.pptx
@@ -8359,6 +8359,114 @@
           </a:p>
         </p:txBody>
       </p:sp>
+      <p:pic>
+        <p:nvPicPr>
+          <p:cNvPr id="25" name="Picture 24" descr="Fist Bump Bee">
+            <a:extLst>
+              <a:ext uri="{FF2B5EF4-FFF2-40B4-BE49-F238E27FC236}">
+                <a16:creationId xmlns:a16="http://schemas.microsoft.com/office/drawing/2014/main" id="{465A34FC-3CFD-975E-09C7-DA54A0A978B0}"/>
+              </a:ext>
+            </a:extLst>
+          </p:cNvPr>
+          <p:cNvPicPr>
+            <a:picLocks noChangeAspect="1"/>
+          </p:cNvPicPr>
+          <p:nvPr/>
+        </p:nvPicPr>
+        <p:blipFill>
+          <a:blip r:embed="rId4">
+            <a:extLst>
+              <a:ext uri="{28A0092B-C50C-407E-A947-70E740481C1C}">
+                <a14:useLocalDpi xmlns:a14="http://schemas.microsoft.com/office/drawing/2010/main" val="0"/>
+              </a:ext>
+            </a:extLst>
+          </a:blip>
+          <a:stretch>
+            <a:fillRect/>
+          </a:stretch>
+        </p:blipFill>
+        <p:spPr>
+          <a:xfrm>
+            <a:off x="5007515" y="4905518"/>
+            <a:ext cx="2176969" cy="2176969"/>
+          </a:xfrm>
+          <a:prstGeom prst="rect">
+            <a:avLst/>
+          </a:prstGeom>
+        </p:spPr>
+      </p:pic>
+      <p:pic>
+        <p:nvPicPr>
+          <p:cNvPr id="31" name="Picture 30" descr="Thumbs Up Teodor the Cat">
+            <a:extLst>
+              <a:ext uri="{FF2B5EF4-FFF2-40B4-BE49-F238E27FC236}">
+                <a16:creationId xmlns:a16="http://schemas.microsoft.com/office/drawing/2014/main" id="{3B35BB64-FEC9-8F71-1A19-8A994AD00A89}"/>
+              </a:ext>
+            </a:extLst>
+          </p:cNvPr>
+          <p:cNvPicPr>
+            <a:picLocks noChangeAspect="1"/>
+          </p:cNvPicPr>
+          <p:nvPr/>
+        </p:nvPicPr>
+        <p:blipFill>
+          <a:blip r:embed="rId5">
+            <a:extLst>
+              <a:ext uri="{28A0092B-C50C-407E-A947-70E740481C1C}">
+                <a14:useLocalDpi xmlns:a14="http://schemas.microsoft.com/office/drawing/2010/main" val="0"/>
+              </a:ext>
+            </a:extLst>
+          </a:blip>
+          <a:stretch>
+            <a:fillRect/>
+          </a:stretch>
+        </p:blipFill>
+        <p:spPr>
+          <a:xfrm>
+            <a:off x="10077450" y="5079209"/>
+            <a:ext cx="2081314" cy="1731166"/>
+          </a:xfrm>
+          <a:prstGeom prst="rect">
+            <a:avLst/>
+          </a:prstGeom>
+        </p:spPr>
+      </p:pic>
+      <p:pic>
+        <p:nvPicPr>
+          <p:cNvPr id="33" name="Picture 32" descr="Laugh Out Loud Teodor the Cat">
+            <a:extLst>
+              <a:ext uri="{FF2B5EF4-FFF2-40B4-BE49-F238E27FC236}">
+                <a16:creationId xmlns:a16="http://schemas.microsoft.com/office/drawing/2014/main" id="{45DD77DA-4F96-B6CD-BC3F-212E21B1C168}"/>
+              </a:ext>
+            </a:extLst>
+          </p:cNvPr>
+          <p:cNvPicPr>
+            <a:picLocks noChangeAspect="1"/>
+          </p:cNvPicPr>
+          <p:nvPr/>
+        </p:nvPicPr>
+        <p:blipFill>
+          <a:blip r:embed="rId6">
+            <a:extLst>
+              <a:ext uri="{28A0092B-C50C-407E-A947-70E740481C1C}">
+                <a14:useLocalDpi xmlns:a14="http://schemas.microsoft.com/office/drawing/2010/main" val="0"/>
+              </a:ext>
+            </a:extLst>
+          </a:blip>
+          <a:stretch>
+            <a:fillRect/>
+          </a:stretch>
+        </p:blipFill>
+        <p:spPr>
+          <a:xfrm>
+            <a:off x="881152" y="5157858"/>
+            <a:ext cx="1672287" cy="1672287"/>
+          </a:xfrm>
+          <a:prstGeom prst="rect">
+            <a:avLst/>
+          </a:prstGeom>
+        </p:spPr>
+      </p:pic>
     </p:spTree>
     <p:extLst>
       <p:ext uri="{BB962C8B-B14F-4D97-AF65-F5344CB8AC3E}">
@@ -8842,6 +8950,42 @@
           </a:p>
         </p:txBody>
       </p:sp>
+      <p:pic>
+        <p:nvPicPr>
+          <p:cNvPr id="13" name="Picture 12" descr="Like Bee">
+            <a:extLst>
+              <a:ext uri="{FF2B5EF4-FFF2-40B4-BE49-F238E27FC236}">
+                <a16:creationId xmlns:a16="http://schemas.microsoft.com/office/drawing/2014/main" id="{7BE279AA-CC82-4BDA-62C1-77282BAD0DBD}"/>
+              </a:ext>
+            </a:extLst>
+          </p:cNvPr>
+          <p:cNvPicPr>
+            <a:picLocks noChangeAspect="1"/>
+          </p:cNvPicPr>
+          <p:nvPr/>
+        </p:nvPicPr>
+        <p:blipFill>
+          <a:blip r:embed="rId2">
+            <a:extLst>
+              <a:ext uri="{28A0092B-C50C-407E-A947-70E740481C1C}">
+                <a14:useLocalDpi xmlns:a14="http://schemas.microsoft.com/office/drawing/2010/main" val="0"/>
+              </a:ext>
+            </a:extLst>
+          </a:blip>
+          <a:stretch>
+            <a:fillRect/>
+          </a:stretch>
+        </p:blipFill>
+        <p:spPr>
+          <a:xfrm>
+            <a:off x="10610850" y="5285852"/>
+            <a:ext cx="1562099" cy="1562099"/>
+          </a:xfrm>
+          <a:prstGeom prst="rect">
+            <a:avLst/>
+          </a:prstGeom>
+        </p:spPr>
+      </p:pic>
     </p:spTree>
     <p:extLst>
       <p:ext uri="{BB962C8B-B14F-4D97-AF65-F5344CB8AC3E}">
@@ -8943,7 +9087,7 @@
         <p:spPr>
           <a:xfrm>
             <a:off x="314326" y="859918"/>
-            <a:ext cx="11525249" cy="5355312"/>
+            <a:ext cx="11877674" cy="5355312"/>
           </a:xfrm>
           <a:prstGeom prst="rect">
             <a:avLst/>
@@ -9098,6 +9242,42 @@
           </a:p>
         </p:txBody>
       </p:sp>
+      <p:pic>
+        <p:nvPicPr>
+          <p:cNvPr id="11" name="Picture 10" descr="High Five Bee">
+            <a:extLst>
+              <a:ext uri="{FF2B5EF4-FFF2-40B4-BE49-F238E27FC236}">
+                <a16:creationId xmlns:a16="http://schemas.microsoft.com/office/drawing/2014/main" id="{EB0868B4-35E5-2B99-8A9E-54C62350BACC}"/>
+              </a:ext>
+            </a:extLst>
+          </p:cNvPr>
+          <p:cNvPicPr>
+            <a:picLocks noChangeAspect="1"/>
+          </p:cNvPicPr>
+          <p:nvPr/>
+        </p:nvPicPr>
+        <p:blipFill>
+          <a:blip r:embed="rId2">
+            <a:extLst>
+              <a:ext uri="{28A0092B-C50C-407E-A947-70E740481C1C}">
+                <a14:useLocalDpi xmlns:a14="http://schemas.microsoft.com/office/drawing/2010/main" val="0"/>
+              </a:ext>
+            </a:extLst>
+          </a:blip>
+          <a:stretch>
+            <a:fillRect/>
+          </a:stretch>
+        </p:blipFill>
+        <p:spPr>
+          <a:xfrm>
+            <a:off x="9810750" y="4343400"/>
+            <a:ext cx="2381250" cy="2381250"/>
+          </a:xfrm>
+          <a:prstGeom prst="rect">
+            <a:avLst/>
+          </a:prstGeom>
+        </p:spPr>
+      </p:pic>
     </p:spTree>
     <p:extLst>
       <p:ext uri="{BB962C8B-B14F-4D97-AF65-F5344CB8AC3E}">
@@ -9345,11 +9525,59 @@
                 <a:latin typeface="Times New Roman" panose="02020603050405020304" pitchFamily="18" charset="0"/>
                 <a:cs typeface="Times New Roman" panose="02020603050405020304" pitchFamily="18" charset="0"/>
               </a:rPr>
-              <a:t>Solved all 3 mission in one run to score 90 points, used a passive attachment to roll down the forge rocks and to find out who lived here. Left arm is being used to lift the ring.</a:t>
-            </a:r>
-          </a:p>
-        </p:txBody>
-      </p:sp>
+              <a:t>Solved all 3 mission in one run to score 90 points, used a passive attachment to roll down the forge rocks and to find out who lived here. Left arm is being used to lift the ring. </a:t>
+            </a:r>
+            <a:r>
+              <a:rPr lang="en-US" dirty="0">
+                <a:latin typeface="Times New Roman" panose="02020603050405020304" pitchFamily="18" charset="0"/>
+                <a:cs typeface="Times New Roman" panose="02020603050405020304" pitchFamily="18" charset="0"/>
+                <a:sym typeface="Wingdings" panose="05000000000000000000" pitchFamily="2" charset="2"/>
+              </a:rPr>
+              <a:t></a:t>
+            </a:r>
+            <a:endParaRPr lang="en-US" dirty="0">
+              <a:latin typeface="Times New Roman" panose="02020603050405020304" pitchFamily="18" charset="0"/>
+              <a:cs typeface="Times New Roman" panose="02020603050405020304" pitchFamily="18" charset="0"/>
+            </a:endParaRPr>
+          </a:p>
+        </p:txBody>
+      </p:sp>
+      <p:pic>
+        <p:nvPicPr>
+          <p:cNvPr id="11" name="Picture 10" descr="Friendship Doggo">
+            <a:extLst>
+              <a:ext uri="{FF2B5EF4-FFF2-40B4-BE49-F238E27FC236}">
+                <a16:creationId xmlns:a16="http://schemas.microsoft.com/office/drawing/2014/main" id="{098FC478-86A7-E762-D91F-6D24A0DFBB5D}"/>
+              </a:ext>
+            </a:extLst>
+          </p:cNvPr>
+          <p:cNvPicPr>
+            <a:picLocks noChangeAspect="1"/>
+          </p:cNvPicPr>
+          <p:nvPr/>
+        </p:nvPicPr>
+        <p:blipFill>
+          <a:blip r:embed="rId6">
+            <a:extLst>
+              <a:ext uri="{28A0092B-C50C-407E-A947-70E740481C1C}">
+                <a14:useLocalDpi xmlns:a14="http://schemas.microsoft.com/office/drawing/2010/main" val="0"/>
+              </a:ext>
+            </a:extLst>
+          </a:blip>
+          <a:stretch>
+            <a:fillRect/>
+          </a:stretch>
+        </p:blipFill>
+        <p:spPr>
+          <a:xfrm>
+            <a:off x="9895585" y="4581560"/>
+            <a:ext cx="2271693" cy="2271693"/>
+          </a:xfrm>
+          <a:prstGeom prst="rect">
+            <a:avLst/>
+          </a:prstGeom>
+        </p:spPr>
+      </p:pic>
     </p:spTree>
     <p:extLst>
       <p:ext uri="{BB962C8B-B14F-4D97-AF65-F5344CB8AC3E}">
@@ -9410,7 +9638,7 @@
         </p:blipFill>
         <p:spPr>
           <a:xfrm>
-            <a:off x="4874489" y="3000374"/>
+            <a:off x="4855439" y="3000374"/>
             <a:ext cx="3488806" cy="3369441"/>
           </a:xfrm>
           <a:prstGeom prst="rect">
@@ -9470,7 +9698,7 @@
         </p:blipFill>
         <p:spPr>
           <a:xfrm>
-            <a:off x="8610599" y="0"/>
+            <a:off x="8343899" y="0"/>
             <a:ext cx="3648075" cy="6858000"/>
           </a:xfrm>
           <a:prstGeom prst="rect">
@@ -9606,6 +9834,42 @@
           </a:p>
         </p:txBody>
       </p:sp>
+      <p:pic>
+        <p:nvPicPr>
+          <p:cNvPr id="26" name="Picture 25" descr="Bicycle Dude">
+            <a:extLst>
+              <a:ext uri="{FF2B5EF4-FFF2-40B4-BE49-F238E27FC236}">
+                <a16:creationId xmlns:a16="http://schemas.microsoft.com/office/drawing/2014/main" id="{2BB19F8F-24C2-1323-C302-CEB5777026D2}"/>
+              </a:ext>
+            </a:extLst>
+          </p:cNvPr>
+          <p:cNvPicPr>
+            <a:picLocks noChangeAspect="1"/>
+          </p:cNvPicPr>
+          <p:nvPr/>
+        </p:nvPicPr>
+        <p:blipFill>
+          <a:blip r:embed="rId6">
+            <a:extLst>
+              <a:ext uri="{28A0092B-C50C-407E-A947-70E740481C1C}">
+                <a14:useLocalDpi xmlns:a14="http://schemas.microsoft.com/office/drawing/2010/main" val="0"/>
+              </a:ext>
+            </a:extLst>
+          </a:blip>
+          <a:stretch>
+            <a:fillRect/>
+          </a:stretch>
+        </p:blipFill>
+        <p:spPr>
+          <a:xfrm>
+            <a:off x="10167936" y="4685094"/>
+            <a:ext cx="2024064" cy="2172906"/>
+          </a:xfrm>
+          <a:prstGeom prst="rect">
+            <a:avLst/>
+          </a:prstGeom>
+        </p:spPr>
+      </p:pic>
     </p:spTree>
     <p:extLst>
       <p:ext uri="{BB962C8B-B14F-4D97-AF65-F5344CB8AC3E}">
@@ -9672,7 +9936,7 @@
         </p:blipFill>
         <p:spPr>
           <a:xfrm>
-            <a:off x="4219698" y="1929107"/>
+            <a:off x="1135497" y="1650195"/>
             <a:ext cx="2574662" cy="3228416"/>
           </a:xfrm>
           <a:prstGeom prst="rect">
@@ -9924,7 +10188,7 @@
         </p:blipFill>
         <p:spPr>
           <a:xfrm>
-            <a:off x="5324367" y="2578508"/>
+            <a:off x="2295417" y="2407058"/>
             <a:ext cx="771633" cy="1371791"/>
           </a:xfrm>
           <a:prstGeom prst="rect">
@@ -9956,6 +10220,42 @@
           <a:xfrm>
             <a:off x="9680630" y="0"/>
             <a:ext cx="2489090" cy="6858000"/>
+          </a:xfrm>
+          <a:prstGeom prst="rect">
+            <a:avLst/>
+          </a:prstGeom>
+        </p:spPr>
+      </p:pic>
+      <p:pic>
+        <p:nvPicPr>
+          <p:cNvPr id="29" name="Picture 28" descr="Fist Bump Bee">
+            <a:extLst>
+              <a:ext uri="{FF2B5EF4-FFF2-40B4-BE49-F238E27FC236}">
+                <a16:creationId xmlns:a16="http://schemas.microsoft.com/office/drawing/2014/main" id="{7D1FBCF5-5603-313C-22FC-52EEA8A39F01}"/>
+              </a:ext>
+            </a:extLst>
+          </p:cNvPr>
+          <p:cNvPicPr>
+            <a:picLocks noChangeAspect="1"/>
+          </p:cNvPicPr>
+          <p:nvPr/>
+        </p:nvPicPr>
+        <p:blipFill>
+          <a:blip r:embed="rId5">
+            <a:extLst>
+              <a:ext uri="{28A0092B-C50C-407E-A947-70E740481C1C}">
+                <a14:useLocalDpi xmlns:a14="http://schemas.microsoft.com/office/drawing/2010/main" val="0"/>
+              </a:ext>
+            </a:extLst>
+          </a:blip>
+          <a:stretch>
+            <a:fillRect/>
+          </a:stretch>
+        </p:blipFill>
+        <p:spPr>
+          <a:xfrm>
+            <a:off x="6452214" y="4275859"/>
+            <a:ext cx="3228416" cy="3228416"/>
           </a:xfrm>
           <a:prstGeom prst="rect">
             <a:avLst/>
